--- a/4. Hands-on Modules/Embedding/8. Resources.pptx
+++ b/4. Hands-on Modules/Embedding/8. Resources.pptx
@@ -6,17 +6,18 @@
     <p:sldMasterId id="2147483665" r:id="rId5"/>
   </p:sldMasterIdLst>
   <p:notesMasterIdLst>
-    <p:notesMasterId r:id="rId14"/>
+    <p:notesMasterId r:id="rId15"/>
   </p:notesMasterIdLst>
   <p:sldIdLst>
     <p:sldId id="300" r:id="rId6"/>
     <p:sldId id="312" r:id="rId7"/>
     <p:sldId id="323" r:id="rId8"/>
     <p:sldId id="334" r:id="rId9"/>
-    <p:sldId id="335" r:id="rId10"/>
-    <p:sldId id="336" r:id="rId11"/>
-    <p:sldId id="333" r:id="rId12"/>
-    <p:sldId id="337" r:id="rId13"/>
+    <p:sldId id="336" r:id="rId10"/>
+    <p:sldId id="335" r:id="rId11"/>
+    <p:sldId id="338" r:id="rId12"/>
+    <p:sldId id="333" r:id="rId13"/>
+    <p:sldId id="341" r:id="rId14"/>
   </p:sldIdLst>
   <p:sldSz cx="12192000" cy="6858000"/>
   <p:notesSz cx="6858000" cy="9144000"/>
@@ -214,7 +215,7 @@
           <a:p>
             <a:fld id="{52A13B17-C506-4D51-BB37-16B365906619}" type="datetimeFigureOut">
               <a:rPr lang="en-US" smtClean="0"/>
-              <a:t>2/27/2019</a:t>
+              <a:t>3/4/2019</a:t>
             </a:fld>
             <a:endParaRPr lang="en-US"/>
           </a:p>
@@ -763,7 +764,7 @@
           <a:p>
             <a:fld id="{35A2D088-BDBD-41A5-ADCE-5C6A4DC08057}" type="datetime8">
               <a:rPr lang="en-US" smtClean="0"/>
-              <a:t>2/27/2019 5:10 PM</a:t>
+              <a:t>3/4/2019 10:20 PM</a:t>
             </a:fld>
             <a:endParaRPr lang="en-US" dirty="0"/>
           </a:p>
@@ -1028,7 +1029,7 @@
           <a:p>
             <a:fld id="{35A2D088-BDBD-41A5-ADCE-5C6A4DC08057}" type="datetime8">
               <a:rPr lang="en-US" smtClean="0"/>
-              <a:t>2/27/2019 5:10 PM</a:t>
+              <a:t>3/4/2019 10:20 PM</a:t>
             </a:fld>
             <a:endParaRPr lang="en-US" dirty="0"/>
           </a:p>
@@ -1052,7 +1053,7 @@
             <a:fld id="{B4008EB6-D09E-4580-8CD6-DDB14511944F}" type="slidenum">
               <a:rPr lang="en-US" smtClean="0"/>
               <a:pPr/>
-              <a:t>7</a:t>
+              <a:t>8</a:t>
             </a:fld>
             <a:endParaRPr lang="en-US" dirty="0"/>
           </a:p>
@@ -1149,10 +1150,36 @@
           <a:bodyPr/>
           <a:lstStyle/>
           <a:p>
-            <a:endParaRPr lang="en-US" dirty="0">
+            <a:pPr marL="0" marR="0" lvl="0" indent="0" algn="l" defTabSz="914400" rtl="0" eaLnBrk="1" fontAlgn="auto" latinLnBrk="0" hangingPunct="1">
+              <a:lnSpc>
+                <a:spcPct val="100000"/>
+              </a:lnSpc>
+              <a:spcBef>
+                <a:spcPts val="0"/>
+              </a:spcBef>
+              <a:spcAft>
+                <a:spcPts val="0"/>
+              </a:spcAft>
+              <a:buClrTx/>
+              <a:buSzTx/>
+              <a:buFontTx/>
+              <a:buNone/>
+              <a:tabLst/>
+              <a:defRPr/>
+            </a:pPr>
+            <a:endParaRPr kumimoji="0" lang="en-US" sz="1200" b="0" i="0" u="none" strike="noStrike" kern="1200" cap="none" spc="0" normalizeH="0" baseline="0" noProof="0" dirty="0">
+              <a:ln>
+                <a:noFill/>
+              </a:ln>
               <a:solidFill>
                 <a:prstClr val="black"/>
               </a:solidFill>
+              <a:effectLst/>
+              <a:uLnTx/>
+              <a:uFillTx/>
+              <a:latin typeface="Calibri" panose="020F0502020204030204"/>
+              <a:ea typeface="+mn-ea"/>
+              <a:cs typeface="+mn-cs"/>
             </a:endParaRPr>
           </a:p>
         </p:txBody>
@@ -1172,18 +1199,70 @@
           <a:bodyPr/>
           <a:lstStyle/>
           <a:p>
+            <a:pPr marL="0" marR="0" lvl="0" indent="0" algn="r" defTabSz="914400" rtl="0" eaLnBrk="1" fontAlgn="auto" latinLnBrk="0" hangingPunct="1">
+              <a:lnSpc>
+                <a:spcPct val="100000"/>
+              </a:lnSpc>
+              <a:spcBef>
+                <a:spcPts val="0"/>
+              </a:spcBef>
+              <a:spcAft>
+                <a:spcPts val="0"/>
+              </a:spcAft>
+              <a:buClrTx/>
+              <a:buSzTx/>
+              <a:buFontTx/>
+              <a:buNone/>
+              <a:tabLst/>
+              <a:defRPr/>
+            </a:pPr>
             <a:fld id="{8AB9A6D4-FB34-4BDB-BA1E-7271914431FC}" type="datetime8">
-              <a:rPr lang="en-US" smtClean="0">
+              <a:rPr kumimoji="0" lang="en-US" sz="1200" b="0" i="0" u="none" strike="noStrike" kern="1200" cap="none" spc="0" normalizeH="0" baseline="0" noProof="0" smtClean="0">
+                <a:ln>
+                  <a:noFill/>
+                </a:ln>
                 <a:solidFill>
                   <a:prstClr val="black"/>
                 </a:solidFill>
+                <a:effectLst/>
+                <a:uLnTx/>
+                <a:uFillTx/>
+                <a:latin typeface="Calibri" panose="020F0502020204030204"/>
+                <a:ea typeface="+mn-ea"/>
+                <a:cs typeface="+mn-cs"/>
               </a:rPr>
-              <a:t>2/27/2019 5:12 PM</a:t>
+              <a:pPr marL="0" marR="0" lvl="0" indent="0" algn="r" defTabSz="914400" rtl="0" eaLnBrk="1" fontAlgn="auto" latinLnBrk="0" hangingPunct="1">
+                <a:lnSpc>
+                  <a:spcPct val="100000"/>
+                </a:lnSpc>
+                <a:spcBef>
+                  <a:spcPts val="0"/>
+                </a:spcBef>
+                <a:spcAft>
+                  <a:spcPts val="0"/>
+                </a:spcAft>
+                <a:buClrTx/>
+                <a:buSzTx/>
+                <a:buFontTx/>
+                <a:buNone/>
+                <a:tabLst/>
+                <a:defRPr/>
+              </a:pPr>
+              <a:t>3/4/2019 10:25 PM</a:t>
             </a:fld>
-            <a:endParaRPr lang="en-US" dirty="0">
+            <a:endParaRPr kumimoji="0" lang="en-US" sz="1200" b="0" i="0" u="none" strike="noStrike" kern="1200" cap="none" spc="0" normalizeH="0" baseline="0" noProof="0" dirty="0">
+              <a:ln>
+                <a:noFill/>
+              </a:ln>
               <a:solidFill>
                 <a:prstClr val="black"/>
               </a:solidFill>
+              <a:effectLst/>
+              <a:uLnTx/>
+              <a:uFillTx/>
+              <a:latin typeface="Calibri" panose="020F0502020204030204"/>
+              <a:ea typeface="+mn-ea"/>
+              <a:cs typeface="+mn-cs"/>
             </a:endParaRPr>
           </a:p>
         </p:txBody>
@@ -1203,19 +1282,70 @@
           <a:bodyPr/>
           <a:lstStyle/>
           <a:p>
+            <a:pPr marL="0" marR="0" lvl="0" indent="0" algn="r" defTabSz="914400" rtl="0" eaLnBrk="1" fontAlgn="auto" latinLnBrk="0" hangingPunct="1">
+              <a:lnSpc>
+                <a:spcPct val="100000"/>
+              </a:lnSpc>
+              <a:spcBef>
+                <a:spcPts val="0"/>
+              </a:spcBef>
+              <a:spcAft>
+                <a:spcPts val="0"/>
+              </a:spcAft>
+              <a:buClrTx/>
+              <a:buSzTx/>
+              <a:buFontTx/>
+              <a:buNone/>
+              <a:tabLst/>
+              <a:defRPr/>
+            </a:pPr>
             <a:fld id="{EC87E0CF-87F6-4B58-B8B8-DCAB2DAAF3CA}" type="slidenum">
-              <a:rPr lang="en-US" smtClean="0">
+              <a:rPr kumimoji="0" lang="en-US" sz="1200" b="0" i="0" u="none" strike="noStrike" kern="1200" cap="none" spc="0" normalizeH="0" baseline="0" noProof="0" smtClean="0">
+                <a:ln>
+                  <a:noFill/>
+                </a:ln>
                 <a:solidFill>
                   <a:prstClr val="black"/>
                 </a:solidFill>
+                <a:effectLst/>
+                <a:uLnTx/>
+                <a:uFillTx/>
+                <a:latin typeface="Calibri" panose="020F0502020204030204"/>
+                <a:ea typeface="+mn-ea"/>
+                <a:cs typeface="+mn-cs"/>
               </a:rPr>
-              <a:pPr/>
-              <a:t>8</a:t>
+              <a:pPr marL="0" marR="0" lvl="0" indent="0" algn="r" defTabSz="914400" rtl="0" eaLnBrk="1" fontAlgn="auto" latinLnBrk="0" hangingPunct="1">
+                <a:lnSpc>
+                  <a:spcPct val="100000"/>
+                </a:lnSpc>
+                <a:spcBef>
+                  <a:spcPts val="0"/>
+                </a:spcBef>
+                <a:spcAft>
+                  <a:spcPts val="0"/>
+                </a:spcAft>
+                <a:buClrTx/>
+                <a:buSzTx/>
+                <a:buFontTx/>
+                <a:buNone/>
+                <a:tabLst/>
+                <a:defRPr/>
+              </a:pPr>
+              <a:t>9</a:t>
             </a:fld>
-            <a:endParaRPr lang="en-US" dirty="0">
+            <a:endParaRPr kumimoji="0" lang="en-US" sz="1200" b="0" i="0" u="none" strike="noStrike" kern="1200" cap="none" spc="0" normalizeH="0" baseline="0" noProof="0" dirty="0">
+              <a:ln>
+                <a:noFill/>
+              </a:ln>
               <a:solidFill>
                 <a:prstClr val="black"/>
               </a:solidFill>
+              <a:effectLst/>
+              <a:uLnTx/>
+              <a:uFillTx/>
+              <a:latin typeface="Calibri" panose="020F0502020204030204"/>
+              <a:ea typeface="+mn-ea"/>
+              <a:cs typeface="+mn-cs"/>
             </a:endParaRPr>
           </a:p>
         </p:txBody>
@@ -1235,9 +1365,28 @@
           <a:bodyPr/>
           <a:lstStyle/>
           <a:p>
-            <a:pPr defTabSz="914099" eaLnBrk="0" hangingPunct="0"/>
+            <a:pPr marL="0" marR="0" lvl="0" indent="0" algn="l" defTabSz="914099" rtl="0" eaLnBrk="0" fontAlgn="auto" latinLnBrk="0" hangingPunct="0">
+              <a:lnSpc>
+                <a:spcPct val="100000"/>
+              </a:lnSpc>
+              <a:spcBef>
+                <a:spcPts val="0"/>
+              </a:spcBef>
+              <a:spcAft>
+                <a:spcPts val="0"/>
+              </a:spcAft>
+              <a:buClrTx/>
+              <a:buSzTx/>
+              <a:buFontTx/>
+              <a:buNone/>
+              <a:tabLst/>
+              <a:defRPr/>
+            </a:pPr>
             <a:r>
-              <a:rPr lang="en-US" sz="400">
+              <a:rPr kumimoji="0" lang="en-US" sz="400" b="0" i="0" u="none" strike="noStrike" kern="1200" cap="none" spc="0" normalizeH="0" baseline="0" noProof="0">
+                <a:ln>
+                  <a:noFill/>
+                </a:ln>
                 <a:gradFill>
                   <a:gsLst>
                     <a:gs pos="0">
@@ -1249,13 +1398,19 @@
                   </a:gsLst>
                   <a:lin ang="5400000" scaled="0"/>
                 </a:gradFill>
+                <a:effectLst/>
+                <a:uLnTx/>
+                <a:uFillTx/>
                 <a:latin typeface="Segoe UI" pitchFamily="34" charset="0"/>
                 <a:ea typeface="Segoe UI" pitchFamily="34" charset="0"/>
                 <a:cs typeface="Segoe UI" pitchFamily="34" charset="0"/>
               </a:rPr>
               <a:t>© Microsoft Corporation. All rights reserved. MICROSOFT MAKES NO WARRANTIES, EXPRESS, IMPLIED OR STATUTORY, AS TO THE INFORMATION IN THIS PRESENTATION.</a:t>
             </a:r>
-            <a:endParaRPr lang="en-US" sz="400" dirty="0">
+            <a:endParaRPr kumimoji="0" lang="en-US" sz="400" b="0" i="0" u="none" strike="noStrike" kern="1200" cap="none" spc="0" normalizeH="0" baseline="0" noProof="0" dirty="0">
+              <a:ln>
+                <a:noFill/>
+              </a:ln>
               <a:gradFill>
                 <a:gsLst>
                   <a:gs pos="0">
@@ -1267,6 +1422,9 @@
                 </a:gsLst>
                 <a:lin ang="5400000" scaled="0"/>
               </a:gradFill>
+              <a:effectLst/>
+              <a:uLnTx/>
+              <a:uFillTx/>
               <a:latin typeface="Segoe UI" pitchFamily="34" charset="0"/>
               <a:ea typeface="Segoe UI" pitchFamily="34" charset="0"/>
               <a:cs typeface="Segoe UI" pitchFamily="34" charset="0"/>
@@ -11324,7 +11482,7 @@
             <a:fld id="{2E809A50-B28D-413A-915D-87F91E5248C6}" type="datetimeFigureOut">
               <a:rPr lang="en-US" smtClean="0"/>
               <a:pPr/>
-              <a:t>2/27/2019</a:t>
+              <a:t>3/4/2019</a:t>
             </a:fld>
             <a:endParaRPr lang="en-US"/>
           </a:p>
@@ -13699,7 +13857,7 @@
                   <a:schemeClr val="tx1"/>
                 </a:solidFill>
               </a:rPr>
-              <a:t>Introduction</a:t>
+              <a:t>Resources</a:t>
             </a:r>
           </a:p>
         </p:txBody>
@@ -13766,7 +13924,7 @@
         </p:nvSpPr>
         <p:spPr/>
         <p:txBody>
-          <a:bodyPr>
+          <a:bodyPr anchor="ctr">
             <a:normAutofit/>
           </a:bodyPr>
           <a:lstStyle/>
@@ -13897,11 +14055,11 @@
         </p:nvSpPr>
         <p:spPr/>
         <p:txBody>
-          <a:bodyPr/>
+          <a:bodyPr anchor="ctr"/>
           <a:lstStyle/>
           <a:p>
             <a:r>
-              <a:rPr lang="en-US" dirty="0"/>
+              <a:rPr lang="en-US" sz="4400" dirty="0"/>
               <a:t>Azure Docs</a:t>
             </a:r>
           </a:p>
@@ -13926,20 +14084,73 @@
         <p:spPr>
           <a:xfrm>
             <a:off x="269239" y="1189177"/>
-            <a:ext cx="11653523" cy="1270732"/>
+            <a:ext cx="11653523" cy="461665"/>
           </a:xfrm>
         </p:spPr>
         <p:txBody>
           <a:bodyPr/>
           <a:lstStyle/>
           <a:p>
+            <a:pPr marL="342900" indent="-342900">
+              <a:buFont typeface="Arial" panose="020B0604020202020204" pitchFamily="34" charset="0"/>
+              <a:buChar char="•"/>
+            </a:pPr>
             <a:r>
-              <a:rPr lang="en-US" dirty="0"/>
-              <a:t>https://docs.microsoft.com/en-us/power-bi/developer/embedding</a:t>
+              <a:rPr lang="en-US" sz="2000" dirty="0">
+                <a:solidFill>
+                  <a:schemeClr val="tx1"/>
+                </a:solidFill>
+                <a:latin typeface="+mn-lt"/>
+                <a:hlinkClick r:id="rId2">
+                  <a:extLst>
+                    <a:ext uri="{A12FA001-AC4F-418D-AE19-62706E023703}">
+                      <ahyp:hlinkClr xmlns:ahyp="http://schemas.microsoft.com/office/drawing/2018/hyperlinkcolor" val="tx"/>
+                    </a:ext>
+                  </a:extLst>
+                </a:hlinkClick>
+              </a:rPr>
+              <a:t>Azure Docs Power BI Embedded</a:t>
             </a:r>
+            <a:endParaRPr lang="en-US" sz="2000" dirty="0">
+              <a:solidFill>
+                <a:schemeClr val="tx1"/>
+              </a:solidFill>
+              <a:latin typeface="+mn-lt"/>
+            </a:endParaRPr>
           </a:p>
         </p:txBody>
       </p:sp>
+      <p:pic>
+        <p:nvPicPr>
+          <p:cNvPr id="4" name="Picture 3">
+            <a:hlinkClick r:id="rId2"/>
+            <a:extLst>
+              <a:ext uri="{FF2B5EF4-FFF2-40B4-BE49-F238E27FC236}">
+                <a16:creationId xmlns:a16="http://schemas.microsoft.com/office/drawing/2014/main" id="{60FBB145-0EFD-4D9D-9DA2-295D63C0DC52}"/>
+              </a:ext>
+            </a:extLst>
+          </p:cNvPr>
+          <p:cNvPicPr>
+            <a:picLocks noChangeAspect="1"/>
+          </p:cNvPicPr>
+          <p:nvPr/>
+        </p:nvPicPr>
+        <p:blipFill>
+          <a:blip r:embed="rId3"/>
+          <a:stretch>
+            <a:fillRect/>
+          </a:stretch>
+        </p:blipFill>
+        <p:spPr>
+          <a:xfrm>
+            <a:off x="3134180" y="2189796"/>
+            <a:ext cx="5923640" cy="3697602"/>
+          </a:xfrm>
+          <a:prstGeom prst="rect">
+            <a:avLst/>
+          </a:prstGeom>
+        </p:spPr>
+      </p:pic>
     </p:spTree>
     <p:extLst>
       <p:ext uri="{BB962C8B-B14F-4D97-AF65-F5344CB8AC3E}">
@@ -13978,7 +14189,7 @@
           <p:cNvPr id="2" name="Title 1">
             <a:extLst>
               <a:ext uri="{FF2B5EF4-FFF2-40B4-BE49-F238E27FC236}">
-                <a16:creationId xmlns:a16="http://schemas.microsoft.com/office/drawing/2014/main" id="{567793CE-1D9A-4AC9-9809-4CAE1EFBA0A5}"/>
+                <a16:creationId xmlns:a16="http://schemas.microsoft.com/office/drawing/2014/main" id="{FF97AF09-B1E9-451C-AECC-77BC9C2E7CF8}"/>
               </a:ext>
             </a:extLst>
           </p:cNvPr>
@@ -13991,12 +14202,12 @@
         </p:nvSpPr>
         <p:spPr/>
         <p:txBody>
-          <a:bodyPr/>
+          <a:bodyPr anchor="ctr"/>
           <a:lstStyle/>
           <a:p>
             <a:r>
-              <a:rPr lang="en-US" dirty="0"/>
-              <a:t>Application Registration</a:t>
+              <a:rPr lang="en-US" sz="4400" dirty="0"/>
+              <a:t>Embedded Playground</a:t>
             </a:r>
           </a:p>
         </p:txBody>
@@ -14006,7 +14217,7 @@
           <p:cNvPr id="3" name="Text Placeholder 2">
             <a:extLst>
               <a:ext uri="{FF2B5EF4-FFF2-40B4-BE49-F238E27FC236}">
-                <a16:creationId xmlns:a16="http://schemas.microsoft.com/office/drawing/2014/main" id="{6BE27837-9CDE-47BD-B618-D84610408E6F}"/>
+                <a16:creationId xmlns:a16="http://schemas.microsoft.com/office/drawing/2014/main" id="{CCE96B72-D629-4886-BC3A-4D00270F7873}"/>
               </a:ext>
             </a:extLst>
           </p:cNvPr>
@@ -14020,24 +14231,77 @@
         <p:spPr>
           <a:xfrm>
             <a:off x="269239" y="1189177"/>
-            <a:ext cx="11653523" cy="727700"/>
+            <a:ext cx="11653523" cy="461665"/>
           </a:xfrm>
         </p:spPr>
         <p:txBody>
           <a:bodyPr/>
           <a:lstStyle/>
           <a:p>
+            <a:pPr marL="342900" indent="-342900">
+              <a:buFont typeface="Arial" panose="020B0604020202020204" pitchFamily="34" charset="0"/>
+              <a:buChar char="•"/>
+            </a:pPr>
             <a:r>
-              <a:rPr lang="en-US" dirty="0"/>
-              <a:t>https://app.powerbi.com</a:t>
+              <a:rPr lang="en-US" sz="2000" dirty="0">
+                <a:solidFill>
+                  <a:schemeClr val="tx1"/>
+                </a:solidFill>
+                <a:latin typeface="+mn-lt"/>
+                <a:hlinkClick r:id="rId2">
+                  <a:extLst>
+                    <a:ext uri="{A12FA001-AC4F-418D-AE19-62706E023703}">
+                      <ahyp:hlinkClr xmlns:ahyp="http://schemas.microsoft.com/office/drawing/2018/hyperlinkcolor" val="tx"/>
+                    </a:ext>
+                  </a:extLst>
+                </a:hlinkClick>
+              </a:rPr>
+              <a:t>Power BI Embedded - JavaScript Demo</a:t>
             </a:r>
+            <a:endParaRPr lang="en-US" sz="2000" dirty="0">
+              <a:solidFill>
+                <a:schemeClr val="tx1"/>
+              </a:solidFill>
+              <a:latin typeface="+mn-lt"/>
+            </a:endParaRPr>
           </a:p>
         </p:txBody>
       </p:sp>
+      <p:pic>
+        <p:nvPicPr>
+          <p:cNvPr id="4" name="Picture 3">
+            <a:hlinkClick r:id="rId2"/>
+            <a:extLst>
+              <a:ext uri="{FF2B5EF4-FFF2-40B4-BE49-F238E27FC236}">
+                <a16:creationId xmlns:a16="http://schemas.microsoft.com/office/drawing/2014/main" id="{70321D12-5B19-4121-A1A8-F57A7196C9C1}"/>
+              </a:ext>
+            </a:extLst>
+          </p:cNvPr>
+          <p:cNvPicPr>
+            <a:picLocks noChangeAspect="1"/>
+          </p:cNvPicPr>
+          <p:nvPr/>
+        </p:nvPicPr>
+        <p:blipFill>
+          <a:blip r:embed="rId3"/>
+          <a:stretch>
+            <a:fillRect/>
+          </a:stretch>
+        </p:blipFill>
+        <p:spPr>
+          <a:xfrm>
+            <a:off x="3439023" y="1980804"/>
+            <a:ext cx="5313955" cy="4079339"/>
+          </a:xfrm>
+          <a:prstGeom prst="rect">
+            <a:avLst/>
+          </a:prstGeom>
+        </p:spPr>
+      </p:pic>
     </p:spTree>
     <p:extLst>
       <p:ext uri="{BB962C8B-B14F-4D97-AF65-F5344CB8AC3E}">
-        <p14:creationId xmlns:p14="http://schemas.microsoft.com/office/powerpoint/2010/main" val="2850890864"/>
+        <p14:creationId xmlns:p14="http://schemas.microsoft.com/office/powerpoint/2010/main" val="2085292991"/>
       </p:ext>
     </p:extLst>
   </p:cSld>
@@ -14072,7 +14336,7 @@
           <p:cNvPr id="2" name="Title 1">
             <a:extLst>
               <a:ext uri="{FF2B5EF4-FFF2-40B4-BE49-F238E27FC236}">
-                <a16:creationId xmlns:a16="http://schemas.microsoft.com/office/drawing/2014/main" id="{FF97AF09-B1E9-451C-AECC-77BC9C2E7CF8}"/>
+                <a16:creationId xmlns:a16="http://schemas.microsoft.com/office/drawing/2014/main" id="{567793CE-1D9A-4AC9-9809-4CAE1EFBA0A5}"/>
               </a:ext>
             </a:extLst>
           </p:cNvPr>
@@ -14085,12 +14349,12 @@
         </p:nvSpPr>
         <p:spPr/>
         <p:txBody>
-          <a:bodyPr/>
+          <a:bodyPr anchor="ctr"/>
           <a:lstStyle/>
           <a:p>
             <a:r>
-              <a:rPr lang="en-US" dirty="0"/>
-              <a:t>Embedded Playground</a:t>
+              <a:rPr lang="en-US" sz="4400" dirty="0"/>
+              <a:t>Application Portal</a:t>
             </a:r>
           </a:p>
         </p:txBody>
@@ -14100,7 +14364,7 @@
           <p:cNvPr id="3" name="Text Placeholder 2">
             <a:extLst>
               <a:ext uri="{FF2B5EF4-FFF2-40B4-BE49-F238E27FC236}">
-                <a16:creationId xmlns:a16="http://schemas.microsoft.com/office/drawing/2014/main" id="{CCE96B72-D629-4886-BC3A-4D00270F7873}"/>
+                <a16:creationId xmlns:a16="http://schemas.microsoft.com/office/drawing/2014/main" id="{6BE27837-9CDE-47BD-B618-D84610408E6F}"/>
               </a:ext>
             </a:extLst>
           </p:cNvPr>
@@ -14114,24 +14378,75 @@
         <p:spPr>
           <a:xfrm>
             <a:off x="269239" y="1189177"/>
-            <a:ext cx="11653523" cy="1270732"/>
+            <a:ext cx="11653523" cy="461665"/>
           </a:xfrm>
         </p:spPr>
         <p:txBody>
           <a:bodyPr/>
           <a:lstStyle/>
           <a:p>
+            <a:pPr marL="342900" indent="-342900">
+              <a:buFont typeface="Arial" panose="020B0604020202020204" pitchFamily="34" charset="0"/>
+              <a:buChar char="•"/>
+            </a:pPr>
             <a:r>
-              <a:rPr lang="en-US" dirty="0"/>
-              <a:t>https://microsoft.github.io/PowerBI-JavaScript/demo/v2-demo/index.html#</a:t>
+              <a:rPr lang="en-US" sz="2000" dirty="0">
+                <a:solidFill>
+                  <a:schemeClr val="tx1"/>
+                </a:solidFill>
+                <a:hlinkClick r:id="rId2">
+                  <a:extLst>
+                    <a:ext uri="{A12FA001-AC4F-418D-AE19-62706E023703}">
+                      <ahyp:hlinkClr xmlns:ahyp="http://schemas.microsoft.com/office/drawing/2018/hyperlinkcolor" val="tx"/>
+                    </a:ext>
+                  </a:extLst>
+                </a:hlinkClick>
+              </a:rPr>
+              <a:t>App Portal</a:t>
             </a:r>
+            <a:endParaRPr lang="en-US" sz="2000" dirty="0">
+              <a:solidFill>
+                <a:schemeClr val="tx1"/>
+              </a:solidFill>
+            </a:endParaRPr>
           </a:p>
         </p:txBody>
       </p:sp>
+      <p:pic>
+        <p:nvPicPr>
+          <p:cNvPr id="4" name="Picture 3">
+            <a:hlinkClick r:id="rId2"/>
+            <a:extLst>
+              <a:ext uri="{FF2B5EF4-FFF2-40B4-BE49-F238E27FC236}">
+                <a16:creationId xmlns:a16="http://schemas.microsoft.com/office/drawing/2014/main" id="{FB2322CE-A97F-46AB-B3A3-E6F5769991AB}"/>
+              </a:ext>
+            </a:extLst>
+          </p:cNvPr>
+          <p:cNvPicPr>
+            <a:picLocks noChangeAspect="1"/>
+          </p:cNvPicPr>
+          <p:nvPr/>
+        </p:nvPicPr>
+        <p:blipFill>
+          <a:blip r:embed="rId3"/>
+          <a:stretch>
+            <a:fillRect/>
+          </a:stretch>
+        </p:blipFill>
+        <p:spPr>
+          <a:xfrm>
+            <a:off x="3696400" y="2079700"/>
+            <a:ext cx="4799200" cy="2843039"/>
+          </a:xfrm>
+          <a:prstGeom prst="rect">
+            <a:avLst/>
+          </a:prstGeom>
+        </p:spPr>
+      </p:pic>
     </p:spTree>
     <p:extLst>
       <p:ext uri="{BB962C8B-B14F-4D97-AF65-F5344CB8AC3E}">
-        <p14:creationId xmlns:p14="http://schemas.microsoft.com/office/powerpoint/2010/main" val="2085292991"/>
+        <p14:creationId xmlns:p14="http://schemas.microsoft.com/office/powerpoint/2010/main" val="2850890864"/>
       </p:ext>
     </p:extLst>
   </p:cSld>
@@ -14163,6 +14478,187 @@
       </p:grpSpPr>
       <p:sp>
         <p:nvSpPr>
+          <p:cNvPr id="2" name="Title 1">
+            <a:extLst>
+              <a:ext uri="{FF2B5EF4-FFF2-40B4-BE49-F238E27FC236}">
+                <a16:creationId xmlns:a16="http://schemas.microsoft.com/office/drawing/2014/main" id="{FCC71D4F-5F0D-47C8-891D-73BE90D4DB62}"/>
+              </a:ext>
+            </a:extLst>
+          </p:cNvPr>
+          <p:cNvSpPr>
+            <a:spLocks noGrp="1"/>
+          </p:cNvSpPr>
+          <p:nvPr>
+            <p:ph type="title"/>
+          </p:nvPr>
+        </p:nvSpPr>
+        <p:spPr/>
+        <p:txBody>
+          <a:bodyPr anchor="ctr"/>
+          <a:lstStyle/>
+          <a:p>
+            <a:r>
+              <a:rPr lang="en-US" dirty="0"/>
+              <a:t>Communities</a:t>
+            </a:r>
+          </a:p>
+        </p:txBody>
+      </p:sp>
+      <p:sp>
+        <p:nvSpPr>
+          <p:cNvPr id="3" name="Text Placeholder 2">
+            <a:extLst>
+              <a:ext uri="{FF2B5EF4-FFF2-40B4-BE49-F238E27FC236}">
+                <a16:creationId xmlns:a16="http://schemas.microsoft.com/office/drawing/2014/main" id="{EC3F8D46-81AD-4124-943E-2FB224B1F3AD}"/>
+              </a:ext>
+            </a:extLst>
+          </p:cNvPr>
+          <p:cNvSpPr>
+            <a:spLocks noGrp="1"/>
+          </p:cNvSpPr>
+          <p:nvPr>
+            <p:ph type="body" sz="quarter" idx="10"/>
+          </p:nvPr>
+        </p:nvSpPr>
+        <p:spPr>
+          <a:xfrm>
+            <a:off x="269239" y="1189177"/>
+            <a:ext cx="11653523" cy="1138773"/>
+          </a:xfrm>
+        </p:spPr>
+        <p:txBody>
+          <a:bodyPr/>
+          <a:lstStyle/>
+          <a:p>
+            <a:pPr marL="342900" indent="-342900">
+              <a:buFont typeface="Arial" panose="020B0604020202020204" pitchFamily="34" charset="0"/>
+              <a:buChar char="•"/>
+            </a:pPr>
+            <a:r>
+              <a:rPr lang="en-US" sz="2000" dirty="0">
+                <a:solidFill>
+                  <a:schemeClr val="tx1"/>
+                </a:solidFill>
+                <a:latin typeface="+mn-lt"/>
+                <a:hlinkClick r:id="rId2">
+                  <a:extLst>
+                    <a:ext uri="{A12FA001-AC4F-418D-AE19-62706E023703}">
+                      <ahyp:hlinkClr xmlns:ahyp="http://schemas.microsoft.com/office/drawing/2018/hyperlinkcolor" val="tx"/>
+                    </a:ext>
+                  </a:extLst>
+                </a:hlinkClick>
+              </a:rPr>
+              <a:t>Communities</a:t>
+            </a:r>
+            <a:r>
+              <a:rPr lang="en-US" sz="2000" dirty="0">
+                <a:solidFill>
+                  <a:schemeClr val="tx1"/>
+                </a:solidFill>
+                <a:latin typeface="+mn-lt"/>
+              </a:rPr>
+              <a:t>: Ask Power BI questions</a:t>
+            </a:r>
+          </a:p>
+          <a:p>
+            <a:pPr marL="342900" indent="-342900">
+              <a:buFont typeface="Arial" panose="020B0604020202020204" pitchFamily="34" charset="0"/>
+              <a:buChar char="•"/>
+            </a:pPr>
+            <a:r>
+              <a:rPr lang="en-US" sz="2000" dirty="0">
+                <a:solidFill>
+                  <a:schemeClr val="tx1"/>
+                </a:solidFill>
+                <a:latin typeface="+mn-lt"/>
+                <a:hlinkClick r:id="rId3">
+                  <a:extLst>
+                    <a:ext uri="{A12FA001-AC4F-418D-AE19-62706E023703}">
+                      <ahyp:hlinkClr xmlns:ahyp="http://schemas.microsoft.com/office/drawing/2018/hyperlinkcolor" val="tx"/>
+                    </a:ext>
+                  </a:extLst>
+                </a:hlinkClick>
+              </a:rPr>
+              <a:t>Power BI Ideas</a:t>
+            </a:r>
+            <a:r>
+              <a:rPr lang="en-US" sz="2000" dirty="0">
+                <a:solidFill>
+                  <a:schemeClr val="tx1"/>
+                </a:solidFill>
+                <a:latin typeface="+mn-lt"/>
+              </a:rPr>
+              <a:t>: Request and vote for features</a:t>
+            </a:r>
+          </a:p>
+          <a:p>
+            <a:pPr marL="342900" indent="-342900">
+              <a:buFont typeface="Arial" panose="020B0604020202020204" pitchFamily="34" charset="0"/>
+              <a:buChar char="•"/>
+            </a:pPr>
+            <a:r>
+              <a:rPr lang="en-US" sz="2000" dirty="0">
+                <a:solidFill>
+                  <a:schemeClr val="tx1"/>
+                </a:solidFill>
+                <a:latin typeface="+mn-lt"/>
+                <a:hlinkClick r:id="rId4">
+                  <a:extLst>
+                    <a:ext uri="{A12FA001-AC4F-418D-AE19-62706E023703}">
+                      <ahyp:hlinkClr xmlns:ahyp="http://schemas.microsoft.com/office/drawing/2018/hyperlinkcolor" val="tx"/>
+                    </a:ext>
+                  </a:extLst>
+                </a:hlinkClick>
+              </a:rPr>
+              <a:t>Reddit</a:t>
+            </a:r>
+            <a:r>
+              <a:rPr lang="en-US" sz="2000" dirty="0">
+                <a:solidFill>
+                  <a:schemeClr val="tx1"/>
+                </a:solidFill>
+                <a:latin typeface="+mn-lt"/>
+              </a:rPr>
+              <a:t>: Discuss Power BI</a:t>
+            </a:r>
+          </a:p>
+        </p:txBody>
+      </p:sp>
+    </p:spTree>
+    <p:extLst>
+      <p:ext uri="{BB962C8B-B14F-4D97-AF65-F5344CB8AC3E}">
+        <p14:creationId xmlns:p14="http://schemas.microsoft.com/office/powerpoint/2010/main" val="3286249255"/>
+      </p:ext>
+    </p:extLst>
+  </p:cSld>
+  <p:clrMapOvr>
+    <a:masterClrMapping/>
+  </p:clrMapOvr>
+  <p:transition>
+    <p:fade/>
+  </p:transition>
+</p:sld>
+</file>
+
+<file path=ppt/slides/slide8.xml><?xml version="1.0" encoding="utf-8"?>
+<p:sld xmlns:a="http://schemas.openxmlformats.org/drawingml/2006/main" xmlns:r="http://schemas.openxmlformats.org/officeDocument/2006/relationships" xmlns:p="http://schemas.openxmlformats.org/presentationml/2006/main">
+  <p:cSld>
+    <p:spTree>
+      <p:nvGrpSpPr>
+        <p:cNvPr id="1" name=""/>
+        <p:cNvGrpSpPr/>
+        <p:nvPr/>
+      </p:nvGrpSpPr>
+      <p:grpSpPr>
+        <a:xfrm>
+          <a:off x="0" y="0"/>
+          <a:ext cx="0" cy="0"/>
+          <a:chOff x="0" y="0"/>
+          <a:chExt cx="0" cy="0"/>
+        </a:xfrm>
+      </p:grpSpPr>
+      <p:sp>
+        <p:nvSpPr>
           <p:cNvPr id="2" name="Title 1"/>
           <p:cNvSpPr>
             <a:spLocks noGrp="1"/>
@@ -14212,9 +14708,17 @@
 </p:sld>
 </file>
 
-<file path=ppt/slides/slide8.xml><?xml version="1.0" encoding="utf-8"?>
+<file path=ppt/slides/slide9.xml><?xml version="1.0" encoding="utf-8"?>
 <p:sld xmlns:a="http://schemas.openxmlformats.org/drawingml/2006/main" xmlns:r="http://schemas.openxmlformats.org/officeDocument/2006/relationships" xmlns:p="http://schemas.openxmlformats.org/presentationml/2006/main">
   <p:cSld>
+    <p:bg>
+      <p:bgPr>
+        <a:solidFill>
+          <a:schemeClr val="bg2"/>
+        </a:solidFill>
+        <a:effectLst/>
+      </p:bgPr>
+    </p:bg>
     <p:spTree>
       <p:nvGrpSpPr>
         <p:cNvPr id="1" name=""/>
@@ -14232,7 +14736,7 @@
     </p:spTree>
     <p:extLst>
       <p:ext uri="{BB962C8B-B14F-4D97-AF65-F5344CB8AC3E}">
-        <p14:creationId xmlns:p14="http://schemas.microsoft.com/office/powerpoint/2010/main" val="3573392335"/>
+        <p14:creationId xmlns:p14="http://schemas.microsoft.com/office/powerpoint/2010/main" val="2042665048"/>
       </p:ext>
     </p:extLst>
   </p:cSld>
@@ -15120,6 +15624,15 @@
 </file>
 
 <file path=customXml/item1.xml><?xml version="1.0" encoding="utf-8"?>
+<p:properties xmlns:p="http://schemas.microsoft.com/office/2006/metadata/properties" xmlns:xsi="http://www.w3.org/2001/XMLSchema-instance" xmlns:pc="http://schemas.microsoft.com/office/infopath/2007/PartnerControls">
+  <documentManagement>
+    <_ip_UnifiedCompliancePolicyUIAction xmlns="http://schemas.microsoft.com/sharepoint/v3" xsi:nil="true"/>
+    <_ip_UnifiedCompliancePolicyProperties xmlns="http://schemas.microsoft.com/sharepoint/v3" xsi:nil="true"/>
+  </documentManagement>
+</p:properties>
+</file>
+
+<file path=customXml/item2.xml><?xml version="1.0" encoding="utf-8"?>
 <?mso-contentType ?>
 <FormTemplates xmlns="http://schemas.microsoft.com/sharepoint/v3/contenttype/forms">
   <Display>DocumentLibraryForm</Display>
@@ -15128,7 +15641,7 @@
 </FormTemplates>
 </file>
 
-<file path=customXml/item2.xml><?xml version="1.0" encoding="utf-8"?>
+<file path=customXml/item3.xml><?xml version="1.0" encoding="utf-8"?>
 <ct:contentTypeSchema xmlns:ct="http://schemas.microsoft.com/office/2006/metadata/contentType" xmlns:ma="http://schemas.microsoft.com/office/2006/metadata/properties/metaAttributes" ct:_="" ma:_="" ma:contentTypeName="Document" ma:contentTypeID="0x010100D15DFA3690A15B4081582BBCC6BEAC3E" ma:contentTypeVersion="9" ma:contentTypeDescription="Create a new document." ma:contentTypeScope="" ma:versionID="642da1784587cbe85a7fdbbe4dc36103">
   <xsd:schema xmlns:xsd="http://www.w3.org/2001/XMLSchema" xmlns:xs="http://www.w3.org/2001/XMLSchema" xmlns:p="http://schemas.microsoft.com/office/2006/metadata/properties" xmlns:ns1="http://schemas.microsoft.com/sharepoint/v3" xmlns:ns2="2023ac63-7b75-4916-a9ee-591457758eee" xmlns:ns3="d9c797ad-d7c3-4982-82b7-81352a75e4a5" targetNamespace="http://schemas.microsoft.com/office/2006/metadata/properties" ma:root="true" ma:fieldsID="91198b0246576053cc55dd2c67035a89" ns1:_="" ns2:_="" ns3:_="">
     <xsd:import namespace="http://schemas.microsoft.com/sharepoint/v3"/>
@@ -15330,16 +15843,25 @@
 </ct:contentTypeSchema>
 </file>
 
-<file path=customXml/item3.xml><?xml version="1.0" encoding="utf-8"?>
-<p:properties xmlns:p="http://schemas.microsoft.com/office/2006/metadata/properties" xmlns:xsi="http://www.w3.org/2001/XMLSchema-instance" xmlns:pc="http://schemas.microsoft.com/office/infopath/2007/PartnerControls">
-  <documentManagement>
-    <_ip_UnifiedCompliancePolicyUIAction xmlns="http://schemas.microsoft.com/sharepoint/v3" xsi:nil="true"/>
-    <_ip_UnifiedCompliancePolicyProperties xmlns="http://schemas.microsoft.com/sharepoint/v3" xsi:nil="true"/>
-  </documentManagement>
-</p:properties>
+<file path=customXml/itemProps1.xml><?xml version="1.0" encoding="utf-8"?>
+<ds:datastoreItem xmlns:ds="http://schemas.openxmlformats.org/officeDocument/2006/customXml" ds:itemID="{BAF7D529-36AB-45DA-B239-2F912F2D1610}">
+  <ds:schemaRefs>
+    <ds:schemaRef ds:uri="http://schemas.microsoft.com/office/2006/metadata/properties"/>
+    <ds:schemaRef ds:uri="d9c797ad-d7c3-4982-82b7-81352a75e4a5"/>
+    <ds:schemaRef ds:uri="http://purl.org/dc/terms/"/>
+    <ds:schemaRef ds:uri="2023ac63-7b75-4916-a9ee-591457758eee"/>
+    <ds:schemaRef ds:uri="http://purl.org/dc/elements/1.1/"/>
+    <ds:schemaRef ds:uri="http://schemas.openxmlformats.org/package/2006/metadata/core-properties"/>
+    <ds:schemaRef ds:uri="http://purl.org/dc/dcmitype/"/>
+    <ds:schemaRef ds:uri="http://schemas.microsoft.com/office/2006/documentManagement/types"/>
+    <ds:schemaRef ds:uri="http://schemas.microsoft.com/office/infopath/2007/PartnerControls"/>
+    <ds:schemaRef ds:uri="http://schemas.microsoft.com/sharepoint/v3"/>
+    <ds:schemaRef ds:uri="http://www.w3.org/XML/1998/namespace"/>
+  </ds:schemaRefs>
+</ds:datastoreItem>
 </file>
 
-<file path=customXml/itemProps1.xml><?xml version="1.0" encoding="utf-8"?>
+<file path=customXml/itemProps2.xml><?xml version="1.0" encoding="utf-8"?>
 <ds:datastoreItem xmlns:ds="http://schemas.openxmlformats.org/officeDocument/2006/customXml" ds:itemID="{F18501AF-04CF-4482-BAE1-607B49DDC378}">
   <ds:schemaRefs>
     <ds:schemaRef ds:uri="http://schemas.microsoft.com/sharepoint/v3/contenttype/forms"/>
@@ -15347,7 +15869,7 @@
 </ds:datastoreItem>
 </file>
 
-<file path=customXml/itemProps2.xml><?xml version="1.0" encoding="utf-8"?>
+<file path=customXml/itemProps3.xml><?xml version="1.0" encoding="utf-8"?>
 <ds:datastoreItem xmlns:ds="http://schemas.openxmlformats.org/officeDocument/2006/customXml" ds:itemID="{255F5BEB-6AD6-480A-8556-C80C5EBC10F2}">
   <ds:schemaRefs>
     <ds:schemaRef ds:uri="http://schemas.microsoft.com/office/2006/metadata/contentType"/>
@@ -15365,22 +15887,4 @@
     <ds:schemaRef ds:uri="http://schemas.microsoft.com/internal/obd"/>
   </ds:schemaRefs>
 </ds:datastoreItem>
-</file>
-
-<file path=customXml/itemProps3.xml><?xml version="1.0" encoding="utf-8"?>
-<ds:datastoreItem xmlns:ds="http://schemas.openxmlformats.org/officeDocument/2006/customXml" ds:itemID="{BAF7D529-36AB-45DA-B239-2F912F2D1610}">
-  <ds:schemaRefs>
-    <ds:schemaRef ds:uri="http://schemas.microsoft.com/office/2006/metadata/properties"/>
-    <ds:schemaRef ds:uri="d9c797ad-d7c3-4982-82b7-81352a75e4a5"/>
-    <ds:schemaRef ds:uri="http://purl.org/dc/terms/"/>
-    <ds:schemaRef ds:uri="2023ac63-7b75-4916-a9ee-591457758eee"/>
-    <ds:schemaRef ds:uri="http://purl.org/dc/elements/1.1/"/>
-    <ds:schemaRef ds:uri="http://schemas.openxmlformats.org/package/2006/metadata/core-properties"/>
-    <ds:schemaRef ds:uri="http://purl.org/dc/dcmitype/"/>
-    <ds:schemaRef ds:uri="http://schemas.microsoft.com/office/2006/documentManagement/types"/>
-    <ds:schemaRef ds:uri="http://schemas.microsoft.com/office/infopath/2007/PartnerControls"/>
-    <ds:schemaRef ds:uri="http://schemas.microsoft.com/sharepoint/v3"/>
-    <ds:schemaRef ds:uri="http://www.w3.org/XML/1998/namespace"/>
-  </ds:schemaRefs>
-</ds:datastoreItem>
 </file>